--- a/Day 3/Slides/12. Method Overriding/method-overriding-slides.pptx
+++ b/Day 3/Slides/12. Method Overriding/method-overriding-slides.pptx
@@ -12781,7 +12781,7 @@
           <a:graphicData uri="http://schemas.openxmlformats.org/presentationml/2006/ole">
             <mc:AlternateContent xmlns:mc="http://schemas.openxmlformats.org/markup-compatibility/2006">
               <mc:Choice xmlns:v="urn:schemas-microsoft-com:vml" Requires="v">
-                <p:oleObj spid="_x0000_s1026" r:id="rId3" imgW="8515350" imgH="5581650" progId="Paint.Picture">
+                <p:oleObj spid="_x0000_s1028" r:id="rId3" imgW="8515350" imgH="5581650" progId="Paint.Picture">
                   <p:embed/>
                 </p:oleObj>
               </mc:Choice>
@@ -13094,7 +13094,7 @@
           <a:graphicData uri="http://schemas.openxmlformats.org/presentationml/2006/ole">
             <mc:AlternateContent xmlns:mc="http://schemas.openxmlformats.org/markup-compatibility/2006">
               <mc:Choice xmlns:v="urn:schemas-microsoft-com:vml" Requires="v">
-                <p:oleObj spid="_x0000_s2050" r:id="rId3" imgW="8915400" imgH="6972300" progId="Paint.Picture">
+                <p:oleObj spid="_x0000_s2052" r:id="rId3" imgW="8915400" imgH="6972300" progId="Paint.Picture">
                   <p:embed/>
                 </p:oleObj>
               </mc:Choice>
@@ -16687,7 +16687,7 @@
         <p:spPr>
           <a:xfrm>
             <a:off x="7190730" y="7922259"/>
-            <a:ext cx="4489450" cy="763270"/>
+            <a:ext cx="4489450" cy="728726"/>
           </a:xfrm>
           <a:prstGeom prst="rect">
             <a:avLst/>
@@ -16787,7 +16787,17 @@
               </a:rPr>
               <a:t>int)</a:t>
             </a:r>
-            <a:endParaRPr sz="2200">
+            <a:r>
+              <a:rPr lang="en-US" sz="2200" spc="-5" dirty="0">
+                <a:solidFill>
+                  <a:srgbClr val="FFFFFF"/>
+                </a:solidFill>
+                <a:latin typeface="Arial MT"/>
+                <a:cs typeface="Arial MT"/>
+              </a:rPr>
+              <a:t>;</a:t>
+            </a:r>
+            <a:endParaRPr sz="2200" dirty="0">
               <a:latin typeface="Arial MT"/>
               <a:cs typeface="Arial MT"/>
             </a:endParaRPr>
